--- a/docs/diagrams/SecurityLogInSequenceDiagram.pptx
+++ b/docs/diagrams/SecurityLogInSequenceDiagram.pptx
@@ -208,7 +208,7 @@
           <a:p>
             <a:fld id="{F5CC4B3F-88C1-4FFA-B1B6-F41C21DC6924}" type="datetimeFigureOut">
               <a:rPr lang="en-US" smtClean="0"/>
-              <a:t>10/12/2018</a:t>
+              <a:t>10/28/2018</a:t>
             </a:fld>
             <a:endParaRPr lang="en-US"/>
           </a:p>
@@ -654,7 +654,7 @@
           <a:p>
             <a:fld id="{78C97017-6FC3-485B-9764-EAC9E56C1D49}" type="datetimeFigureOut">
               <a:rPr lang="en-US" smtClean="0"/>
-              <a:t>10/12/2018</a:t>
+              <a:t>10/28/2018</a:t>
             </a:fld>
             <a:endParaRPr lang="en-US"/>
           </a:p>
@@ -822,7 +822,7 @@
           <a:p>
             <a:fld id="{78C97017-6FC3-485B-9764-EAC9E56C1D49}" type="datetimeFigureOut">
               <a:rPr lang="en-US" smtClean="0"/>
-              <a:t>10/12/2018</a:t>
+              <a:t>10/28/2018</a:t>
             </a:fld>
             <a:endParaRPr lang="en-US"/>
           </a:p>
@@ -1000,7 +1000,7 @@
           <a:p>
             <a:fld id="{78C97017-6FC3-485B-9764-EAC9E56C1D49}" type="datetimeFigureOut">
               <a:rPr lang="en-US" smtClean="0"/>
-              <a:t>10/12/2018</a:t>
+              <a:t>10/28/2018</a:t>
             </a:fld>
             <a:endParaRPr lang="en-US"/>
           </a:p>
@@ -1168,7 +1168,7 @@
           <a:p>
             <a:fld id="{78C97017-6FC3-485B-9764-EAC9E56C1D49}" type="datetimeFigureOut">
               <a:rPr lang="en-US" smtClean="0"/>
-              <a:t>10/12/2018</a:t>
+              <a:t>10/28/2018</a:t>
             </a:fld>
             <a:endParaRPr lang="en-US"/>
           </a:p>
@@ -1413,7 +1413,7 @@
           <a:p>
             <a:fld id="{78C97017-6FC3-485B-9764-EAC9E56C1D49}" type="datetimeFigureOut">
               <a:rPr lang="en-US" smtClean="0"/>
-              <a:t>10/12/2018</a:t>
+              <a:t>10/28/2018</a:t>
             </a:fld>
             <a:endParaRPr lang="en-US"/>
           </a:p>
@@ -1698,7 +1698,7 @@
           <a:p>
             <a:fld id="{78C97017-6FC3-485B-9764-EAC9E56C1D49}" type="datetimeFigureOut">
               <a:rPr lang="en-US" smtClean="0"/>
-              <a:t>10/12/2018</a:t>
+              <a:t>10/28/2018</a:t>
             </a:fld>
             <a:endParaRPr lang="en-US"/>
           </a:p>
@@ -2117,7 +2117,7 @@
           <a:p>
             <a:fld id="{78C97017-6FC3-485B-9764-EAC9E56C1D49}" type="datetimeFigureOut">
               <a:rPr lang="en-US" smtClean="0"/>
-              <a:t>10/12/2018</a:t>
+              <a:t>10/28/2018</a:t>
             </a:fld>
             <a:endParaRPr lang="en-US"/>
           </a:p>
@@ -2234,7 +2234,7 @@
           <a:p>
             <a:fld id="{78C97017-6FC3-485B-9764-EAC9E56C1D49}" type="datetimeFigureOut">
               <a:rPr lang="en-US" smtClean="0"/>
-              <a:t>10/12/2018</a:t>
+              <a:t>10/28/2018</a:t>
             </a:fld>
             <a:endParaRPr lang="en-US"/>
           </a:p>
@@ -2329,7 +2329,7 @@
           <a:p>
             <a:fld id="{78C97017-6FC3-485B-9764-EAC9E56C1D49}" type="datetimeFigureOut">
               <a:rPr lang="en-US" smtClean="0"/>
-              <a:t>10/12/2018</a:t>
+              <a:t>10/28/2018</a:t>
             </a:fld>
             <a:endParaRPr lang="en-US"/>
           </a:p>
@@ -2604,7 +2604,7 @@
           <a:p>
             <a:fld id="{78C97017-6FC3-485B-9764-EAC9E56C1D49}" type="datetimeFigureOut">
               <a:rPr lang="en-US" smtClean="0"/>
-              <a:t>10/12/2018</a:t>
+              <a:t>10/28/2018</a:t>
             </a:fld>
             <a:endParaRPr lang="en-US"/>
           </a:p>
@@ -2856,7 +2856,7 @@
           <a:p>
             <a:fld id="{78C97017-6FC3-485B-9764-EAC9E56C1D49}" type="datetimeFigureOut">
               <a:rPr lang="en-US" smtClean="0"/>
-              <a:t>10/12/2018</a:t>
+              <a:t>10/28/2018</a:t>
             </a:fld>
             <a:endParaRPr lang="en-US"/>
           </a:p>
@@ -3067,7 +3067,7 @@
           <a:p>
             <a:fld id="{78C97017-6FC3-485B-9764-EAC9E56C1D49}" type="datetimeFigureOut">
               <a:rPr lang="en-US" smtClean="0"/>
-              <a:t>10/12/2018</a:t>
+              <a:t>10/28/2018</a:t>
             </a:fld>
             <a:endParaRPr lang="en-US"/>
           </a:p>
@@ -3456,7 +3456,7 @@
         </p:nvSpPr>
         <p:spPr>
           <a:xfrm>
-            <a:off x="6198463" y="134738"/>
+            <a:off x="7365035" y="118896"/>
             <a:ext cx="3476148" cy="4400926"/>
           </a:xfrm>
           <a:prstGeom prst="roundRect">
@@ -3509,8 +3509,8 @@
         </p:nvSpPr>
         <p:spPr>
           <a:xfrm>
-            <a:off x="2619853" y="118896"/>
-            <a:ext cx="3476148" cy="4400926"/>
+            <a:off x="2619852" y="163018"/>
+            <a:ext cx="4542947" cy="4356804"/>
           </a:xfrm>
           <a:prstGeom prst="roundRect">
             <a:avLst>
@@ -3803,7 +3803,7 @@
         </p:nvSpPr>
         <p:spPr>
           <a:xfrm>
-            <a:off x="3396741" y="1845401"/>
+            <a:off x="3359002" y="2534528"/>
             <a:ext cx="2551476" cy="184666"/>
           </a:xfrm>
           <a:prstGeom prst="rect">
@@ -3868,8 +3868,8 @@
         </p:nvCxnSpPr>
         <p:spPr>
           <a:xfrm>
-            <a:off x="3657600" y="2065372"/>
-            <a:ext cx="3591124" cy="0"/>
+            <a:off x="3831270" y="2778521"/>
+            <a:ext cx="4526296" cy="0"/>
           </a:xfrm>
           <a:prstGeom prst="straightConnector1">
             <a:avLst/>
@@ -3943,107 +3943,6 @@
           </a:fontRef>
         </p:style>
       </p:cxnSp>
-      <p:cxnSp>
-        <p:nvCxnSpPr>
-          <p:cNvPr id="43" name="Straight Arrow Connector 42">
-            <a:extLst>
-              <a:ext uri="{FF2B5EF4-FFF2-40B4-BE49-F238E27FC236}">
-                <a16:creationId xmlns:a16="http://schemas.microsoft.com/office/drawing/2014/main" id="{6EAB5E6B-248F-4EC2-8DB2-617A8BD39074}"/>
-              </a:ext>
-            </a:extLst>
-          </p:cNvPr>
-          <p:cNvCxnSpPr>
-            <a:cxnSpLocks/>
-          </p:cNvCxnSpPr>
-          <p:nvPr/>
-        </p:nvCxnSpPr>
-        <p:spPr>
-          <a:xfrm>
-            <a:off x="467813" y="3843660"/>
-            <a:ext cx="1147338" cy="0"/>
-          </a:xfrm>
-          <a:prstGeom prst="straightConnector1">
-            <a:avLst/>
-          </a:prstGeom>
-          <a:ln w="19050">
-            <a:solidFill>
-              <a:srgbClr val="00B050"/>
-            </a:solidFill>
-            <a:prstDash val="sysDash"/>
-            <a:headEnd type="arrow" w="med" len="med"/>
-            <a:tailEnd type="none" w="med" len="med"/>
-          </a:ln>
-        </p:spPr>
-        <p:style>
-          <a:lnRef idx="1">
-            <a:schemeClr val="accent1"/>
-          </a:lnRef>
-          <a:fillRef idx="0">
-            <a:schemeClr val="accent1"/>
-          </a:fillRef>
-          <a:effectRef idx="0">
-            <a:schemeClr val="accent1"/>
-          </a:effectRef>
-          <a:fontRef idx="minor">
-            <a:schemeClr val="tx1"/>
-          </a:fontRef>
-        </p:style>
-      </p:cxnSp>
-      <p:sp>
-        <p:nvSpPr>
-          <p:cNvPr id="47" name="TextBox 46">
-            <a:extLst>
-              <a:ext uri="{FF2B5EF4-FFF2-40B4-BE49-F238E27FC236}">
-                <a16:creationId xmlns:a16="http://schemas.microsoft.com/office/drawing/2014/main" id="{8730148A-FC23-4DAA-B2AC-9E0A693B360B}"/>
-              </a:ext>
-            </a:extLst>
-          </p:cNvPr>
-          <p:cNvSpPr txBox="1"/>
-          <p:nvPr/>
-        </p:nvSpPr>
-        <p:spPr>
-          <a:xfrm>
-            <a:off x="588695" y="3581400"/>
-            <a:ext cx="621216" cy="215444"/>
-          </a:xfrm>
-          <a:prstGeom prst="rect">
-            <a:avLst/>
-          </a:prstGeom>
-          <a:noFill/>
-          <a:ln>
-            <a:solidFill>
-              <a:srgbClr val="00B050"/>
-            </a:solidFill>
-          </a:ln>
-        </p:spPr>
-        <p:txBody>
-          <a:bodyPr wrap="square" lIns="0" tIns="0" rIns="0" bIns="0" rtlCol="0">
-            <a:spAutoFit/>
-          </a:bodyPr>
-          <a:lstStyle>
-            <a:defPPr>
-              <a:defRPr lang="en-US"/>
-            </a:defPPr>
-            <a:lvl1pPr algn="r">
-              <a:defRPr sz="1400">
-                <a:solidFill>
-                  <a:srgbClr val="0070C0"/>
-                </a:solidFill>
-              </a:defRPr>
-            </a:lvl1pPr>
-          </a:lstStyle>
-          <a:p>
-            <a:r>
-              <a:rPr lang="en-US" dirty="0">
-                <a:solidFill>
-                  <a:srgbClr val="00B050"/>
-                </a:solidFill>
-              </a:rPr>
-              <a:t>exit()</a:t>
-            </a:r>
-          </a:p>
-        </p:txBody>
-      </p:sp>
       <p:sp>
         <p:nvSpPr>
           <p:cNvPr id="51" name="Rectangle 62">
@@ -4298,7 +4197,7 @@
         </p:nvSpPr>
         <p:spPr>
           <a:xfrm>
-            <a:off x="6415677" y="582788"/>
+            <a:off x="7562258" y="606810"/>
             <a:ext cx="1371600" cy="346760"/>
           </a:xfrm>
           <a:prstGeom prst="rect">
@@ -4377,7 +4276,7 @@
         </p:nvCxnSpPr>
         <p:spPr>
           <a:xfrm>
-            <a:off x="7336279" y="935842"/>
+            <a:off x="8482860" y="959864"/>
             <a:ext cx="0" cy="2919716"/>
           </a:xfrm>
           <a:prstGeom prst="line">
@@ -4422,7 +4321,7 @@
         </p:nvSpPr>
         <p:spPr>
           <a:xfrm>
-            <a:off x="7264271" y="2030067"/>
+            <a:off x="8378836" y="2748669"/>
             <a:ext cx="112187" cy="349706"/>
           </a:xfrm>
           <a:prstGeom prst="rect">
@@ -4485,8 +4384,8 @@
         </p:nvCxnSpPr>
         <p:spPr>
           <a:xfrm>
-            <a:off x="3809378" y="2353363"/>
-            <a:ext cx="3439346" cy="8837"/>
+            <a:off x="3831270" y="3075349"/>
+            <a:ext cx="4526296" cy="0"/>
           </a:xfrm>
           <a:prstGeom prst="straightConnector1">
             <a:avLst/>
@@ -4517,6 +4416,379 @@
           </a:fontRef>
         </p:style>
       </p:cxnSp>
+      <p:cxnSp>
+        <p:nvCxnSpPr>
+          <p:cNvPr id="24" name="Straight Connector 23">
+            <a:extLst>
+              <a:ext uri="{FF2B5EF4-FFF2-40B4-BE49-F238E27FC236}">
+                <a16:creationId xmlns:a16="http://schemas.microsoft.com/office/drawing/2014/main" id="{0B864A31-7849-4CB4-BB73-B738E726A3BC}"/>
+              </a:ext>
+            </a:extLst>
+          </p:cNvPr>
+          <p:cNvCxnSpPr>
+            <a:cxnSpLocks/>
+          </p:cNvCxnSpPr>
+          <p:nvPr/>
+        </p:nvCxnSpPr>
+        <p:spPr>
+          <a:xfrm flipH="1">
+            <a:off x="5985513" y="948190"/>
+            <a:ext cx="6161" cy="3007714"/>
+          </a:xfrm>
+          <a:prstGeom prst="line">
+            <a:avLst/>
+          </a:prstGeom>
+          <a:ln w="19050">
+            <a:solidFill>
+              <a:schemeClr val="bg1"/>
+            </a:solidFill>
+            <a:prstDash val="sysDash"/>
+          </a:ln>
+          <a:effectLst/>
+        </p:spPr>
+        <p:style>
+          <a:lnRef idx="1">
+            <a:schemeClr val="accent1"/>
+          </a:lnRef>
+          <a:fillRef idx="2">
+            <a:schemeClr val="accent1"/>
+          </a:fillRef>
+          <a:effectRef idx="1">
+            <a:schemeClr val="accent1"/>
+          </a:effectRef>
+          <a:fontRef idx="minor">
+            <a:schemeClr val="dk1"/>
+          </a:fontRef>
+        </p:style>
+      </p:cxnSp>
+      <p:sp>
+        <p:nvSpPr>
+          <p:cNvPr id="25" name="Rectangle 24">
+            <a:extLst>
+              <a:ext uri="{FF2B5EF4-FFF2-40B4-BE49-F238E27FC236}">
+                <a16:creationId xmlns:a16="http://schemas.microsoft.com/office/drawing/2014/main" id="{2219F376-CE03-49EB-A149-DA5ED78936D7}"/>
+              </a:ext>
+            </a:extLst>
+          </p:cNvPr>
+          <p:cNvSpPr/>
+          <p:nvPr/>
+        </p:nvSpPr>
+        <p:spPr>
+          <a:xfrm>
+            <a:off x="5910478" y="1722058"/>
+            <a:ext cx="156850" cy="563936"/>
+          </a:xfrm>
+          <a:prstGeom prst="rect">
+            <a:avLst/>
+          </a:prstGeom>
+          <a:solidFill>
+            <a:schemeClr val="bg1"/>
+          </a:solidFill>
+          <a:ln>
+            <a:solidFill>
+              <a:schemeClr val="bg1"/>
+            </a:solidFill>
+          </a:ln>
+          <a:effectLst/>
+        </p:spPr>
+        <p:style>
+          <a:lnRef idx="1">
+            <a:schemeClr val="accent3"/>
+          </a:lnRef>
+          <a:fillRef idx="2">
+            <a:schemeClr val="accent3"/>
+          </a:fillRef>
+          <a:effectRef idx="1">
+            <a:schemeClr val="accent3"/>
+          </a:effectRef>
+          <a:fontRef idx="minor">
+            <a:schemeClr val="dk1"/>
+          </a:fontRef>
+        </p:style>
+        <p:txBody>
+          <a:bodyPr rtlCol="0" anchor="ctr"/>
+          <a:lstStyle/>
+          <a:p>
+            <a:pPr algn="ctr"/>
+            <a:endParaRPr lang="en-SG" sz="1400"/>
+          </a:p>
+        </p:txBody>
+      </p:sp>
+      <p:sp>
+        <p:nvSpPr>
+          <p:cNvPr id="26" name="Rectangle 62">
+            <a:extLst>
+              <a:ext uri="{FF2B5EF4-FFF2-40B4-BE49-F238E27FC236}">
+                <a16:creationId xmlns:a16="http://schemas.microsoft.com/office/drawing/2014/main" id="{9D09092E-C2FB-4BF9-BD07-9E5364F8E3EE}"/>
+              </a:ext>
+            </a:extLst>
+          </p:cNvPr>
+          <p:cNvSpPr/>
+          <p:nvPr/>
+        </p:nvSpPr>
+        <p:spPr>
+          <a:xfrm>
+            <a:off x="4845676" y="572847"/>
+            <a:ext cx="2088524" cy="346760"/>
+          </a:xfrm>
+          <a:prstGeom prst="rect">
+            <a:avLst/>
+          </a:prstGeom>
+          <a:solidFill>
+            <a:schemeClr val="bg1"/>
+          </a:solidFill>
+          <a:ln w="19050">
+            <a:solidFill>
+              <a:schemeClr val="bg1"/>
+            </a:solidFill>
+          </a:ln>
+          <a:effectLst/>
+        </p:spPr>
+        <p:style>
+          <a:lnRef idx="1">
+            <a:schemeClr val="accent2"/>
+          </a:lnRef>
+          <a:fillRef idx="2">
+            <a:schemeClr val="accent2"/>
+          </a:fillRef>
+          <a:effectRef idx="1">
+            <a:schemeClr val="accent2"/>
+          </a:effectRef>
+          <a:fontRef idx="minor">
+            <a:schemeClr val="dk1"/>
+          </a:fontRef>
+        </p:style>
+        <p:txBody>
+          <a:bodyPr rtlCol="0" anchor="ctr"/>
+          <a:lstStyle/>
+          <a:p>
+            <a:pPr algn="ctr"/>
+            <a:r>
+              <a:rPr lang="en-US" sz="1600" dirty="0">
+                <a:solidFill>
+                  <a:schemeClr val="tx1"/>
+                </a:solidFill>
+              </a:rPr>
+              <a:t>:</a:t>
+            </a:r>
+            <a:r>
+              <a:rPr lang="en-US" sz="1600" dirty="0" err="1">
+                <a:solidFill>
+                  <a:schemeClr val="tx1"/>
+                </a:solidFill>
+              </a:rPr>
+              <a:t>AccountCredentials</a:t>
+            </a:r>
+            <a:endParaRPr lang="en-SG" sz="1600" dirty="0">
+              <a:solidFill>
+                <a:schemeClr val="tx1"/>
+              </a:solidFill>
+            </a:endParaRPr>
+          </a:p>
+        </p:txBody>
+      </p:sp>
+      <p:sp>
+        <p:nvSpPr>
+          <p:cNvPr id="28" name="TextBox 27">
+            <a:extLst>
+              <a:ext uri="{FF2B5EF4-FFF2-40B4-BE49-F238E27FC236}">
+                <a16:creationId xmlns:a16="http://schemas.microsoft.com/office/drawing/2014/main" id="{19690098-2B2A-417C-93F8-D2C2386FF0E8}"/>
+              </a:ext>
+            </a:extLst>
+          </p:cNvPr>
+          <p:cNvSpPr txBox="1"/>
+          <p:nvPr/>
+        </p:nvSpPr>
+        <p:spPr>
+          <a:xfrm>
+            <a:off x="3824011" y="1517947"/>
+            <a:ext cx="1123022" cy="184666"/>
+          </a:xfrm>
+          <a:prstGeom prst="rect">
+            <a:avLst/>
+          </a:prstGeom>
+          <a:noFill/>
+          <a:ln>
+            <a:noFill/>
+          </a:ln>
+        </p:spPr>
+        <p:txBody>
+          <a:bodyPr wrap="square" lIns="0" tIns="0" rIns="0" bIns="0" rtlCol="0">
+            <a:spAutoFit/>
+          </a:bodyPr>
+          <a:lstStyle>
+            <a:defPPr>
+              <a:defRPr lang="en-US"/>
+            </a:defPPr>
+            <a:lvl1pPr algn="r">
+              <a:defRPr sz="1400">
+                <a:solidFill>
+                  <a:srgbClr val="0070C0"/>
+                </a:solidFill>
+              </a:defRPr>
+            </a:lvl1pPr>
+          </a:lstStyle>
+          <a:p>
+            <a:r>
+              <a:rPr lang="en-US" sz="1200" dirty="0" err="1">
+                <a:solidFill>
+                  <a:schemeClr val="bg1"/>
+                </a:solidFill>
+              </a:rPr>
+              <a:t>passwordIsValid</a:t>
+            </a:r>
+            <a:r>
+              <a:rPr lang="en-US" sz="1200" dirty="0">
+                <a:solidFill>
+                  <a:schemeClr val="bg1"/>
+                </a:solidFill>
+              </a:rPr>
+              <a:t>()</a:t>
+            </a:r>
+          </a:p>
+        </p:txBody>
+      </p:sp>
+      <p:cxnSp>
+        <p:nvCxnSpPr>
+          <p:cNvPr id="29" name="Straight Arrow Connector 28">
+            <a:extLst>
+              <a:ext uri="{FF2B5EF4-FFF2-40B4-BE49-F238E27FC236}">
+                <a16:creationId xmlns:a16="http://schemas.microsoft.com/office/drawing/2014/main" id="{22265158-3DB3-4BC8-920E-30DB3C5C9167}"/>
+              </a:ext>
+            </a:extLst>
+          </p:cNvPr>
+          <p:cNvCxnSpPr>
+            <a:cxnSpLocks/>
+          </p:cNvCxnSpPr>
+          <p:nvPr/>
+        </p:nvCxnSpPr>
+        <p:spPr>
+          <a:xfrm>
+            <a:off x="3858202" y="1755444"/>
+            <a:ext cx="2052276" cy="0"/>
+          </a:xfrm>
+          <a:prstGeom prst="straightConnector1">
+            <a:avLst/>
+          </a:prstGeom>
+          <a:ln w="19050">
+            <a:solidFill>
+              <a:schemeClr val="bg1"/>
+            </a:solidFill>
+            <a:tailEnd type="arrow"/>
+          </a:ln>
+        </p:spPr>
+        <p:style>
+          <a:lnRef idx="1">
+            <a:schemeClr val="accent1"/>
+          </a:lnRef>
+          <a:fillRef idx="0">
+            <a:schemeClr val="accent1"/>
+          </a:fillRef>
+          <a:effectRef idx="0">
+            <a:schemeClr val="accent1"/>
+          </a:effectRef>
+          <a:fontRef idx="minor">
+            <a:schemeClr val="tx1"/>
+          </a:fontRef>
+        </p:style>
+      </p:cxnSp>
+      <p:cxnSp>
+        <p:nvCxnSpPr>
+          <p:cNvPr id="31" name="Straight Arrow Connector 30">
+            <a:extLst>
+              <a:ext uri="{FF2B5EF4-FFF2-40B4-BE49-F238E27FC236}">
+                <a16:creationId xmlns:a16="http://schemas.microsoft.com/office/drawing/2014/main" id="{AE57C978-26C1-4617-95C7-5A9A97574D89}"/>
+              </a:ext>
+            </a:extLst>
+          </p:cNvPr>
+          <p:cNvCxnSpPr>
+            <a:cxnSpLocks/>
+          </p:cNvCxnSpPr>
+          <p:nvPr/>
+        </p:nvCxnSpPr>
+        <p:spPr>
+          <a:xfrm flipH="1">
+            <a:off x="3831270" y="2261343"/>
+            <a:ext cx="2076792" cy="0"/>
+          </a:xfrm>
+          <a:prstGeom prst="straightConnector1">
+            <a:avLst/>
+          </a:prstGeom>
+          <a:ln w="19050">
+            <a:solidFill>
+              <a:schemeClr val="bg1"/>
+            </a:solidFill>
+            <a:tailEnd type="arrow"/>
+          </a:ln>
+        </p:spPr>
+        <p:style>
+          <a:lnRef idx="1">
+            <a:schemeClr val="accent1"/>
+          </a:lnRef>
+          <a:fillRef idx="0">
+            <a:schemeClr val="accent1"/>
+          </a:fillRef>
+          <a:effectRef idx="0">
+            <a:schemeClr val="accent1"/>
+          </a:effectRef>
+          <a:fontRef idx="minor">
+            <a:schemeClr val="tx1"/>
+          </a:fontRef>
+        </p:style>
+      </p:cxnSp>
+      <p:sp>
+        <p:nvSpPr>
+          <p:cNvPr id="33" name="TextBox 32">
+            <a:extLst>
+              <a:ext uri="{FF2B5EF4-FFF2-40B4-BE49-F238E27FC236}">
+                <a16:creationId xmlns:a16="http://schemas.microsoft.com/office/drawing/2014/main" id="{BF3E241C-5008-4AFA-9644-0143F69DC633}"/>
+              </a:ext>
+            </a:extLst>
+          </p:cNvPr>
+          <p:cNvSpPr txBox="1"/>
+          <p:nvPr/>
+        </p:nvSpPr>
+        <p:spPr>
+          <a:xfrm>
+            <a:off x="4753264" y="2023845"/>
+            <a:ext cx="1123022" cy="184666"/>
+          </a:xfrm>
+          <a:prstGeom prst="rect">
+            <a:avLst/>
+          </a:prstGeom>
+          <a:noFill/>
+          <a:ln>
+            <a:noFill/>
+          </a:ln>
+        </p:spPr>
+        <p:txBody>
+          <a:bodyPr wrap="square" lIns="0" tIns="0" rIns="0" bIns="0" rtlCol="0">
+            <a:spAutoFit/>
+          </a:bodyPr>
+          <a:lstStyle>
+            <a:defPPr>
+              <a:defRPr lang="en-US"/>
+            </a:defPPr>
+            <a:lvl1pPr algn="r">
+              <a:defRPr sz="1400">
+                <a:solidFill>
+                  <a:srgbClr val="0070C0"/>
+                </a:solidFill>
+              </a:defRPr>
+            </a:lvl1pPr>
+          </a:lstStyle>
+          <a:p>
+            <a:r>
+              <a:rPr lang="en-US" sz="1200" dirty="0">
+                <a:solidFill>
+                  <a:schemeClr val="bg1"/>
+                </a:solidFill>
+              </a:rPr>
+              <a:t>true</a:t>
+            </a:r>
+          </a:p>
+        </p:txBody>
+      </p:sp>
     </p:spTree>
     <p:extLst>
       <p:ext uri="{BB962C8B-B14F-4D97-AF65-F5344CB8AC3E}">
